--- a/Практика/2.1/02_Анализ данных.pptx
+++ b/Практика/2.1/02_Анализ данных.pptx
@@ -228,7 +228,7 @@
           <a:p>
             <a:fld id="{2E2EA67F-9356-4DA6-9033-19F2873F7581}" type="datetimeFigureOut">
               <a:rPr lang="ru-RU" smtClean="0"/>
-              <a:t>25.09.2023</a:t>
+              <a:t>17.10.2023</a:t>
             </a:fld>
             <a:endParaRPr lang="ru-RU"/>
           </a:p>
@@ -642,7 +642,7 @@
           <a:p>
             <a:fld id="{FF6889AE-803C-47C3-9C9E-A592131FB293}" type="datetime1">
               <a:rPr lang="ru-RU" smtClean="0"/>
-              <a:t>25.09.2023</a:t>
+              <a:t>17.10.2023</a:t>
             </a:fld>
             <a:endParaRPr lang="ru-RU"/>
           </a:p>
@@ -840,7 +840,7 @@
           <a:p>
             <a:fld id="{6EC8BB26-E179-47DD-B048-89A9418BA37D}" type="datetime1">
               <a:rPr lang="ru-RU" smtClean="0"/>
-              <a:t>25.09.2023</a:t>
+              <a:t>17.10.2023</a:t>
             </a:fld>
             <a:endParaRPr lang="ru-RU"/>
           </a:p>
@@ -1048,7 +1048,7 @@
           <a:p>
             <a:fld id="{EA56B682-5985-491A-86D9-4074A9A84062}" type="datetime1">
               <a:rPr lang="ru-RU" smtClean="0"/>
-              <a:t>25.09.2023</a:t>
+              <a:t>17.10.2023</a:t>
             </a:fld>
             <a:endParaRPr lang="ru-RU"/>
           </a:p>
@@ -1246,7 +1246,7 @@
           <a:p>
             <a:fld id="{06351DEE-6BD7-4A60-8295-1A134A53D5F8}" type="datetime1">
               <a:rPr lang="ru-RU" smtClean="0"/>
-              <a:t>25.09.2023</a:t>
+              <a:t>17.10.2023</a:t>
             </a:fld>
             <a:endParaRPr lang="ru-RU"/>
           </a:p>
@@ -1521,7 +1521,7 @@
           <a:p>
             <a:fld id="{A90D1702-73F5-4FDC-A12E-F263F7005A1F}" type="datetime1">
               <a:rPr lang="ru-RU" smtClean="0"/>
-              <a:t>25.09.2023</a:t>
+              <a:t>17.10.2023</a:t>
             </a:fld>
             <a:endParaRPr lang="ru-RU"/>
           </a:p>
@@ -1786,7 +1786,7 @@
           <a:p>
             <a:fld id="{EFA991A6-FA7E-4E96-9EA7-D6210F66E3F5}" type="datetime1">
               <a:rPr lang="ru-RU" smtClean="0"/>
-              <a:t>25.09.2023</a:t>
+              <a:t>17.10.2023</a:t>
             </a:fld>
             <a:endParaRPr lang="ru-RU"/>
           </a:p>
@@ -2198,7 +2198,7 @@
           <a:p>
             <a:fld id="{134F5E19-50A6-4D2E-B027-0088341E3DC2}" type="datetime1">
               <a:rPr lang="ru-RU" smtClean="0"/>
-              <a:t>25.09.2023</a:t>
+              <a:t>17.10.2023</a:t>
             </a:fld>
             <a:endParaRPr lang="ru-RU"/>
           </a:p>
@@ -2339,7 +2339,7 @@
           <a:p>
             <a:fld id="{9FBF6459-0F8C-4179-8E32-A1A64131AC87}" type="datetime1">
               <a:rPr lang="ru-RU" smtClean="0"/>
-              <a:t>25.09.2023</a:t>
+              <a:t>17.10.2023</a:t>
             </a:fld>
             <a:endParaRPr lang="ru-RU"/>
           </a:p>
@@ -2452,7 +2452,7 @@
           <a:p>
             <a:fld id="{BECB8C71-2257-46B0-BF79-A9A1740B3B13}" type="datetime1">
               <a:rPr lang="ru-RU" smtClean="0"/>
-              <a:t>25.09.2023</a:t>
+              <a:t>17.10.2023</a:t>
             </a:fld>
             <a:endParaRPr lang="ru-RU"/>
           </a:p>
@@ -2763,7 +2763,7 @@
           <a:p>
             <a:fld id="{2E29329A-F6C1-4173-BA6B-E2083E606E8F}" type="datetime1">
               <a:rPr lang="ru-RU" smtClean="0"/>
-              <a:t>25.09.2023</a:t>
+              <a:t>17.10.2023</a:t>
             </a:fld>
             <a:endParaRPr lang="ru-RU"/>
           </a:p>
@@ -3051,7 +3051,7 @@
           <a:p>
             <a:fld id="{BCFCCFE5-B9CD-4F5A-A0BF-8232E3668DD6}" type="datetime1">
               <a:rPr lang="ru-RU" smtClean="0"/>
-              <a:t>25.09.2023</a:t>
+              <a:t>17.10.2023</a:t>
             </a:fld>
             <a:endParaRPr lang="ru-RU"/>
           </a:p>
@@ -3292,7 +3292,7 @@
           <a:p>
             <a:fld id="{5AC1E980-2B94-434F-B39D-D7E035AB18DF}" type="datetime1">
               <a:rPr lang="ru-RU" smtClean="0"/>
-              <a:t>25.09.2023</a:t>
+              <a:t>17.10.2023</a:t>
             </a:fld>
             <a:endParaRPr lang="ru-RU"/>
           </a:p>
@@ -11800,7 +11800,7 @@
           <p:nvPr>
             <p:extLst>
               <p:ext uri="{D42A27DB-BD31-4B8C-83A1-F6EECF244321}">
-                <p14:modId xmlns:p14="http://schemas.microsoft.com/office/powerpoint/2010/main" val="4122549033"/>
+                <p14:modId xmlns:p14="http://schemas.microsoft.com/office/powerpoint/2010/main" val="3295635334"/>
               </p:ext>
             </p:extLst>
           </p:nvPr>
@@ -11999,8 +11999,8 @@
                         <a:defRPr/>
                       </a:pPr>
                       <a:r>
-                        <a:rPr lang="ru-RU" sz="1400" b="1" dirty="0"/>
-                        <a:t>Разведочный</a:t>
+                        <a:rPr lang="ru-RU" sz="1300" b="1" dirty="0"/>
+                        <a:t>Разведывательный</a:t>
                       </a:r>
                       <a:r>
                         <a:rPr lang="en-US" sz="1400" dirty="0"/>
@@ -21476,7 +21476,7 @@
           <p:nvPr>
             <p:extLst>
               <p:ext uri="{D42A27DB-BD31-4B8C-83A1-F6EECF244321}">
-                <p14:modId xmlns:p14="http://schemas.microsoft.com/office/powerpoint/2010/main" val="2604549197"/>
+                <p14:modId xmlns:p14="http://schemas.microsoft.com/office/powerpoint/2010/main" val="1936228156"/>
               </p:ext>
             </p:extLst>
           </p:nvPr>
@@ -21671,7 +21671,7 @@
                             <a:schemeClr val="accent6"/>
                           </a:solidFill>
                         </a:rPr>
-                        <a:t>Разведочный</a:t>
+                        <a:t>Разведывательный</a:t>
                       </a:r>
                       <a:r>
                         <a:rPr lang="en-US" sz="1400" dirty="0">
